--- a/project presentation/ELG5163_AB_MF_Project Presentation.pptx
+++ b/project presentation/ELG5163_AB_MF_Project Presentation.pptx
@@ -7658,7 +7658,7 @@
           <a:p>
             <a:fld id="{F591BB15-DE40-F842-8059-510BF077C15F}" type="datetimeFigureOut">
               <a:rPr lang="en-US" smtClean="0"/>
-              <a:t>3/18/2022</a:t>
+              <a:t>3/19/2022</a:t>
             </a:fld>
             <a:endParaRPr lang="en-US"/>
           </a:p>
@@ -7895,14 +7895,14 @@
           </a:ln>
           <a:extLst>
             <a:ext uri="{909E8E84-426E-40dd-AFC4-6F175D3DCCD1}">
-              <a14:hiddenFill xmlns="" xmlns:a14="http://schemas.microsoft.com/office/drawing/2010/main">
+              <a14:hiddenFill xmlns:a14="http://schemas.microsoft.com/office/drawing/2010/main" xmlns="">
                 <a:solidFill>
                   <a:srgbClr val="FFFFFF"/>
                 </a:solidFill>
               </a14:hiddenFill>
             </a:ext>
             <a:ext uri="{FAA26D3D-D897-4be2-8F04-BA451C77F1D7}">
-              <ma14:placeholderFlag xmlns="" xmlns:ma14="http://schemas.microsoft.com/office/mac/drawingml/2011/main" val="1"/>
+              <ma14:placeholderFlag xmlns:ma14="http://schemas.microsoft.com/office/mac/drawingml/2011/main" xmlns="" val="1"/>
             </a:ext>
           </a:extLst>
         </p:spPr>
@@ -20727,14 +20727,14 @@
           </a:ln>
           <a:extLst>
             <a:ext uri="{909E8E84-426E-40dd-AFC4-6F175D3DCCD1}">
-              <a14:hiddenFill xmlns="" xmlns:a14="http://schemas.microsoft.com/office/drawing/2010/main">
+              <a14:hiddenFill xmlns:a14="http://schemas.microsoft.com/office/drawing/2010/main" xmlns="">
                 <a:solidFill>
                   <a:srgbClr val="FFFFFF"/>
                 </a:solidFill>
               </a14:hiddenFill>
             </a:ext>
             <a:ext uri="{91240B29-F687-4f45-9708-019B960494DF}">
-              <a14:hiddenLine xmlns="" xmlns:a14="http://schemas.microsoft.com/office/drawing/2010/main" w="9525">
+              <a14:hiddenLine xmlns:a14="http://schemas.microsoft.com/office/drawing/2010/main" xmlns="" w="9525">
                 <a:solidFill>
                   <a:srgbClr val="000000"/>
                 </a:solidFill>
@@ -20744,7 +20744,7 @@
               </a14:hiddenLine>
             </a:ext>
             <a:ext uri="{FAA26D3D-D897-4be2-8F04-BA451C77F1D7}">
-              <ma14:placeholderFlag xmlns="" xmlns:ma14="http://schemas.microsoft.com/office/mac/drawingml/2011/main" val="1"/>
+              <ma14:placeholderFlag xmlns:ma14="http://schemas.microsoft.com/office/mac/drawingml/2011/main" xmlns="" val="1"/>
             </a:ext>
           </a:extLst>
         </p:spPr>
@@ -20809,14 +20809,14 @@
           </a:ln>
           <a:extLst>
             <a:ext uri="{909E8E84-426E-40dd-AFC4-6F175D3DCCD1}">
-              <a14:hiddenFill xmlns="" xmlns:a14="http://schemas.microsoft.com/office/drawing/2010/main">
+              <a14:hiddenFill xmlns:a14="http://schemas.microsoft.com/office/drawing/2010/main" xmlns="">
                 <a:solidFill>
                   <a:srgbClr val="FFFFFF"/>
                 </a:solidFill>
               </a14:hiddenFill>
             </a:ext>
             <a:ext uri="{91240B29-F687-4f45-9708-019B960494DF}">
-              <a14:hiddenLine xmlns="" xmlns:a14="http://schemas.microsoft.com/office/drawing/2010/main" w="9525">
+              <a14:hiddenLine xmlns:a14="http://schemas.microsoft.com/office/drawing/2010/main" xmlns="" w="9525">
                 <a:solidFill>
                   <a:srgbClr val="000000"/>
                 </a:solidFill>
@@ -20826,7 +20826,7 @@
               </a14:hiddenLine>
             </a:ext>
             <a:ext uri="{FAA26D3D-D897-4be2-8F04-BA451C77F1D7}">
-              <ma14:placeholderFlag xmlns="" xmlns:ma14="http://schemas.microsoft.com/office/mac/drawingml/2011/main" val="1"/>
+              <ma14:placeholderFlag xmlns:ma14="http://schemas.microsoft.com/office/mac/drawingml/2011/main" xmlns="" val="1"/>
             </a:ext>
           </a:extLst>
         </p:spPr>
@@ -21496,14 +21496,14 @@
           </a:ln>
           <a:extLst>
             <a:ext uri="{909E8E84-426E-40dd-AFC4-6F175D3DCCD1}">
-              <a14:hiddenFill xmlns="" xmlns:a14="http://schemas.microsoft.com/office/drawing/2010/main">
+              <a14:hiddenFill xmlns:a14="http://schemas.microsoft.com/office/drawing/2010/main" xmlns="">
                 <a:solidFill>
                   <a:srgbClr val="FFFFFF"/>
                 </a:solidFill>
               </a14:hiddenFill>
             </a:ext>
             <a:ext uri="{91240B29-F687-4f45-9708-019B960494DF}">
-              <a14:hiddenLine xmlns="" xmlns:a14="http://schemas.microsoft.com/office/drawing/2010/main" w="9525">
+              <a14:hiddenLine xmlns:a14="http://schemas.microsoft.com/office/drawing/2010/main" xmlns="" w="9525">
                 <a:solidFill>
                   <a:srgbClr val="000000"/>
                 </a:solidFill>
@@ -21513,7 +21513,7 @@
               </a14:hiddenLine>
             </a:ext>
             <a:ext uri="{FAA26D3D-D897-4be2-8F04-BA451C77F1D7}">
-              <ma14:placeholderFlag xmlns="" xmlns:ma14="http://schemas.microsoft.com/office/mac/drawingml/2011/main" val="1"/>
+              <ma14:placeholderFlag xmlns:ma14="http://schemas.microsoft.com/office/mac/drawingml/2011/main" xmlns="" val="1"/>
             </a:ext>
           </a:extLst>
         </p:spPr>
@@ -21714,14 +21714,14 @@
           </a:ln>
           <a:extLst>
             <a:ext uri="{909E8E84-426E-40dd-AFC4-6F175D3DCCD1}">
-              <a14:hiddenFill xmlns="" xmlns:a14="http://schemas.microsoft.com/office/drawing/2010/main">
+              <a14:hiddenFill xmlns:a14="http://schemas.microsoft.com/office/drawing/2010/main" xmlns="">
                 <a:solidFill>
                   <a:srgbClr val="FFFFFF"/>
                 </a:solidFill>
               </a14:hiddenFill>
             </a:ext>
             <a:ext uri="{91240B29-F687-4f45-9708-019B960494DF}">
-              <a14:hiddenLine xmlns="" xmlns:a14="http://schemas.microsoft.com/office/drawing/2010/main" w="9525">
+              <a14:hiddenLine xmlns:a14="http://schemas.microsoft.com/office/drawing/2010/main" xmlns="" w="9525">
                 <a:solidFill>
                   <a:srgbClr val="000000"/>
                 </a:solidFill>
@@ -21731,7 +21731,7 @@
               </a14:hiddenLine>
             </a:ext>
             <a:ext uri="{FAA26D3D-D897-4be2-8F04-BA451C77F1D7}">
-              <ma14:placeholderFlag xmlns="" xmlns:ma14="http://schemas.microsoft.com/office/mac/drawingml/2011/main" val="1"/>
+              <ma14:placeholderFlag xmlns:ma14="http://schemas.microsoft.com/office/mac/drawingml/2011/main" xmlns="" val="1"/>
             </a:ext>
           </a:extLst>
         </p:spPr>
@@ -21937,14 +21937,14 @@
           </a:ln>
           <a:extLst>
             <a:ext uri="{909E8E84-426E-40dd-AFC4-6F175D3DCCD1}">
-              <a14:hiddenFill xmlns="" xmlns:a14="http://schemas.microsoft.com/office/drawing/2010/main">
+              <a14:hiddenFill xmlns:a14="http://schemas.microsoft.com/office/drawing/2010/main" xmlns="">
                 <a:solidFill>
                   <a:srgbClr val="FFFFFF"/>
                 </a:solidFill>
               </a14:hiddenFill>
             </a:ext>
             <a:ext uri="{91240B29-F687-4f45-9708-019B960494DF}">
-              <a14:hiddenLine xmlns="" xmlns:a14="http://schemas.microsoft.com/office/drawing/2010/main" w="9525">
+              <a14:hiddenLine xmlns:a14="http://schemas.microsoft.com/office/drawing/2010/main" xmlns="" w="9525">
                 <a:solidFill>
                   <a:srgbClr val="000000"/>
                 </a:solidFill>
@@ -21954,7 +21954,7 @@
               </a14:hiddenLine>
             </a:ext>
             <a:ext uri="{FAA26D3D-D897-4be2-8F04-BA451C77F1D7}">
-              <ma14:placeholderFlag xmlns="" xmlns:ma14="http://schemas.microsoft.com/office/mac/drawingml/2011/main" val="1"/>
+              <ma14:placeholderFlag xmlns:ma14="http://schemas.microsoft.com/office/mac/drawingml/2011/main" xmlns="" val="1"/>
             </a:ext>
           </a:extLst>
         </p:spPr>
@@ -23014,7 +23014,7 @@
         </p:nvSpPr>
         <p:spPr>
           <a:xfrm>
-            <a:off x="1445608" y="3619071"/>
+            <a:off x="1401220" y="3619071"/>
             <a:ext cx="1901840" cy="523220"/>
           </a:xfrm>
           <a:prstGeom prst="rect">
@@ -23047,14 +23047,26 @@
             </a:br>
             <a:r>
               <a:rPr lang="en-US" sz="1200" b="1" dirty="0">
+                <a:solidFill>
+                  <a:srgbClr val="0C7BF2"/>
+                </a:solidFill>
                 <a:latin typeface="Times"/>
                 <a:ea typeface="ＭＳ Ｐゴシック"/>
-                <a:hlinkClick r:id="rId5"/>
+                <a:hlinkClick r:id="rId5">
+                  <a:extLst>
+                    <a:ext uri="{A12FA001-AC4F-418D-AE19-62706E023703}">
+                      <ahyp:hlinkClr xmlns:ahyp="http://schemas.microsoft.com/office/drawing/2018/hyperlinkcolor" val="tx"/>
+                    </a:ext>
+                  </a:extLst>
+                </a:hlinkClick>
               </a:rPr>
               <a:t>abudi097@uottawa.ca</a:t>
             </a:r>
             <a:r>
               <a:rPr lang="en-US" sz="1200" b="1" dirty="0">
+                <a:solidFill>
+                  <a:srgbClr val="0C7BF2"/>
+                </a:solidFill>
                 <a:latin typeface="Times"/>
                 <a:ea typeface="ＭＳ Ｐゴシック"/>
               </a:rPr>
@@ -23314,7 +23326,37 @@
                 <a:ea typeface="ＭＳ Ｐゴシック"/>
                 <a:cs typeface="Times New Roman" panose="02020603050405020304" pitchFamily="18" charset="0"/>
               </a:rPr>
-              <a:t>Background</a:t>
+              <a:t>Introduction</a:t>
+            </a:r>
+          </a:p>
+          <a:p>
+            <a:pPr>
+              <a:spcAft>
+                <a:spcPts val="400"/>
+              </a:spcAft>
+            </a:pPr>
+            <a:r>
+              <a:rPr lang="en-US" sz="2400" dirty="0">
+                <a:latin typeface="Times New Roman" panose="02020603050405020304" pitchFamily="18" charset="0"/>
+                <a:ea typeface="ＭＳ Ｐゴシック"/>
+                <a:cs typeface="Times New Roman" panose="02020603050405020304" pitchFamily="18" charset="0"/>
+              </a:rPr>
+              <a:t>Problem Description</a:t>
+            </a:r>
+          </a:p>
+          <a:p>
+            <a:pPr>
+              <a:spcAft>
+                <a:spcPts val="400"/>
+              </a:spcAft>
+            </a:pPr>
+            <a:r>
+              <a:rPr lang="en-US" sz="2400" dirty="0">
+                <a:latin typeface="Times New Roman" panose="02020603050405020304" pitchFamily="18" charset="0"/>
+                <a:ea typeface="ＭＳ Ｐゴシック"/>
+                <a:cs typeface="Times New Roman" panose="02020603050405020304" pitchFamily="18" charset="0"/>
+              </a:rPr>
+              <a:t>System Description</a:t>
             </a:r>
           </a:p>
           <a:p>
@@ -23503,6 +23545,10 @@
           <a:bodyPr/>
           <a:lstStyle/>
           <a:p>
+            <a:r>
+              <a:rPr lang="en-US" dirty="0"/>
+              <a:t>Discussion</a:t>
+            </a:r>
             <a:endParaRPr lang="fr-CA" dirty="0"/>
           </a:p>
         </p:txBody>
@@ -23528,7 +23574,43 @@
           <a:bodyPr/>
           <a:lstStyle/>
           <a:p>
-            <a:endParaRPr lang="fr-CA"/>
+            <a:r>
+              <a:rPr lang="en-US" dirty="0"/>
+              <a:t>Explain displacement results from motion test</a:t>
+            </a:r>
+          </a:p>
+          <a:p>
+            <a:r>
+              <a:rPr lang="en-US" dirty="0"/>
+              <a:t>Compare performance to other research paper</a:t>
+            </a:r>
+          </a:p>
+          <a:p>
+            <a:r>
+              <a:rPr lang="en-US" dirty="0"/>
+              <a:t>When would this application be useful:</a:t>
+            </a:r>
+          </a:p>
+          <a:p>
+            <a:pPr lvl="1"/>
+            <a:r>
+              <a:rPr lang="en-US" dirty="0"/>
+              <a:t>Multi-robot control</a:t>
+            </a:r>
+          </a:p>
+          <a:p>
+            <a:pPr lvl="1"/>
+            <a:r>
+              <a:rPr lang="en-US" dirty="0"/>
+              <a:t>Obstacle avoidance/bypass – Estimate path using overhead camera</a:t>
+            </a:r>
+          </a:p>
+          <a:p>
+            <a:r>
+              <a:rPr lang="en-US" dirty="0"/>
+              <a:t>Further improvement: add feature matching algorithm IOT detect robot  </a:t>
+            </a:r>
+            <a:endParaRPr lang="fr-CA" dirty="0"/>
           </a:p>
         </p:txBody>
       </p:sp>
@@ -25004,29 +25086,6 @@
 </file>
 
 <file path=customXml/item1.xml><?xml version="1.0" encoding="utf-8"?>
-<p:properties xmlns:p="http://schemas.microsoft.com/office/2006/metadata/properties" xmlns:xsi="http://www.w3.org/2001/XMLSchema-instance" xmlns:pc="http://schemas.microsoft.com/office/infopath/2007/PartnerControls">
-  <documentManagement>
-    <SharedWithUsers xmlns="d5424b3c-cb4c-4bba-90b3-5f5b436a6b3b">
-      <UserInfo>
-        <DisplayName>Nada Noureddine</DisplayName>
-        <AccountId>14</AccountId>
-        <AccountType/>
-      </UserInfo>
-    </SharedWithUsers>
-  </documentManagement>
-</p:properties>
-</file>
-
-<file path=customXml/item2.xml><?xml version="1.0" encoding="utf-8"?>
-<?mso-contentType ?>
-<FormTemplates xmlns="http://schemas.microsoft.com/sharepoint/v3/contenttype/forms">
-  <Display>DocumentLibraryForm</Display>
-  <Edit>DocumentLibraryForm</Edit>
-  <New>DocumentLibraryForm</New>
-</FormTemplates>
-</file>
-
-<file path=customXml/item3.xml><?xml version="1.0" encoding="utf-8"?>
 <ct:contentTypeSchema xmlns:ct="http://schemas.microsoft.com/office/2006/metadata/contentType" xmlns:ma="http://schemas.microsoft.com/office/2006/metadata/properties/metaAttributes" ct:_="" ma:_="" ma:contentTypeName="Document" ma:contentTypeID="0x0101009DE40791264FAE46814856347053C8B1" ma:contentTypeVersion="6" ma:contentTypeDescription="Create a new document." ma:contentTypeScope="" ma:versionID="6e4d554c12f568477dd5fc65a9e614c1">
   <xsd:schema xmlns:xsd="http://www.w3.org/2001/XMLSchema" xmlns:xs="http://www.w3.org/2001/XMLSchema" xmlns:p="http://schemas.microsoft.com/office/2006/metadata/properties" xmlns:ns2="1edfec15-bc87-424d-8511-36ddd0ef1b07" xmlns:ns3="d5424b3c-cb4c-4bba-90b3-5f5b436a6b3b" targetNamespace="http://schemas.microsoft.com/office/2006/metadata/properties" ma:root="true" ma:fieldsID="46529e66c90d92e33f48a204cb75bacc" ns2:_="" ns3:_="">
     <xsd:import namespace="1edfec15-bc87-424d-8511-36ddd0ef1b07"/>
@@ -25205,32 +25264,30 @@
 </ct:contentTypeSchema>
 </file>
 
-<file path=customXml/itemProps1.xml><?xml version="1.0" encoding="utf-8"?>
-<ds:datastoreItem xmlns:ds="http://schemas.openxmlformats.org/officeDocument/2006/customXml" ds:itemID="{A7AC62C7-7E55-4569-9464-06A37349897C}">
-  <ds:schemaRefs>
-    <ds:schemaRef ds:uri="1edfec15-bc87-424d-8511-36ddd0ef1b07"/>
-    <ds:schemaRef ds:uri="d5424b3c-cb4c-4bba-90b3-5f5b436a6b3b"/>
-    <ds:schemaRef ds:uri="http://purl.org/dc/dcmitype/"/>
-    <ds:schemaRef ds:uri="http://purl.org/dc/elements/1.1/"/>
-    <ds:schemaRef ds:uri="http://purl.org/dc/terms/"/>
-    <ds:schemaRef ds:uri="http://schemas.microsoft.com/office/2006/documentManagement/types"/>
-    <ds:schemaRef ds:uri="http://schemas.microsoft.com/office/2006/metadata/properties"/>
-    <ds:schemaRef ds:uri="http://schemas.microsoft.com/office/infopath/2007/PartnerControls"/>
-    <ds:schemaRef ds:uri="http://schemas.openxmlformats.org/package/2006/metadata/core-properties"/>
-    <ds:schemaRef ds:uri="http://www.w3.org/XML/1998/namespace"/>
-  </ds:schemaRefs>
-</ds:datastoreItem>
+<file path=customXml/item2.xml><?xml version="1.0" encoding="utf-8"?>
+<?mso-contentType ?>
+<FormTemplates xmlns="http://schemas.microsoft.com/sharepoint/v3/contenttype/forms">
+  <Display>DocumentLibraryForm</Display>
+  <Edit>DocumentLibraryForm</Edit>
+  <New>DocumentLibraryForm</New>
+</FormTemplates>
 </file>
 
-<file path=customXml/itemProps2.xml><?xml version="1.0" encoding="utf-8"?>
-<ds:datastoreItem xmlns:ds="http://schemas.openxmlformats.org/officeDocument/2006/customXml" ds:itemID="{1209E848-86C0-4B8C-83D5-01CA13DB0CB6}">
-  <ds:schemaRefs>
-    <ds:schemaRef ds:uri="http://schemas.microsoft.com/sharepoint/v3/contenttype/forms"/>
-  </ds:schemaRefs>
-</ds:datastoreItem>
+<file path=customXml/item3.xml><?xml version="1.0" encoding="utf-8"?>
+<p:properties xmlns:p="http://schemas.microsoft.com/office/2006/metadata/properties" xmlns:xsi="http://www.w3.org/2001/XMLSchema-instance" xmlns:pc="http://schemas.microsoft.com/office/infopath/2007/PartnerControls">
+  <documentManagement>
+    <SharedWithUsers xmlns="d5424b3c-cb4c-4bba-90b3-5f5b436a6b3b">
+      <UserInfo>
+        <DisplayName>Nada Noureddine</DisplayName>
+        <AccountId>14</AccountId>
+        <AccountType/>
+      </UserInfo>
+    </SharedWithUsers>
+  </documentManagement>
+</p:properties>
 </file>
 
-<file path=customXml/itemProps3.xml><?xml version="1.0" encoding="utf-8"?>
+<file path=customXml/itemProps1.xml><?xml version="1.0" encoding="utf-8"?>
 <ds:datastoreItem xmlns:ds="http://schemas.openxmlformats.org/officeDocument/2006/customXml" ds:itemID="{DD995C88-510D-441A-A3AA-A0BD3697214B}">
   <ds:schemaRefs>
     <ds:schemaRef ds:uri="1edfec15-bc87-424d-8511-36ddd0ef1b07"/>
@@ -25247,4 +25304,29 @@
     <ds:schemaRef ds:uri="http://www.w3.org/2001/XMLSchema"/>
   </ds:schemaRefs>
 </ds:datastoreItem>
+</file>
+
+<file path=customXml/itemProps2.xml><?xml version="1.0" encoding="utf-8"?>
+<ds:datastoreItem xmlns:ds="http://schemas.openxmlformats.org/officeDocument/2006/customXml" ds:itemID="{1209E848-86C0-4B8C-83D5-01CA13DB0CB6}">
+  <ds:schemaRefs>
+    <ds:schemaRef ds:uri="http://schemas.microsoft.com/sharepoint/v3/contenttype/forms"/>
+  </ds:schemaRefs>
+</ds:datastoreItem>
+</file>
+
+<file path=customXml/itemProps3.xml><?xml version="1.0" encoding="utf-8"?>
+<ds:datastoreItem xmlns:ds="http://schemas.openxmlformats.org/officeDocument/2006/customXml" ds:itemID="{A7AC62C7-7E55-4569-9464-06A37349897C}">
+  <ds:schemaRefs>
+    <ds:schemaRef ds:uri="1edfec15-bc87-424d-8511-36ddd0ef1b07"/>
+    <ds:schemaRef ds:uri="d5424b3c-cb4c-4bba-90b3-5f5b436a6b3b"/>
+    <ds:schemaRef ds:uri="http://purl.org/dc/dcmitype/"/>
+    <ds:schemaRef ds:uri="http://purl.org/dc/elements/1.1/"/>
+    <ds:schemaRef ds:uri="http://purl.org/dc/terms/"/>
+    <ds:schemaRef ds:uri="http://schemas.microsoft.com/office/2006/documentManagement/types"/>
+    <ds:schemaRef ds:uri="http://schemas.microsoft.com/office/2006/metadata/properties"/>
+    <ds:schemaRef ds:uri="http://schemas.microsoft.com/office/infopath/2007/PartnerControls"/>
+    <ds:schemaRef ds:uri="http://schemas.openxmlformats.org/package/2006/metadata/core-properties"/>
+    <ds:schemaRef ds:uri="http://www.w3.org/XML/1998/namespace"/>
+  </ds:schemaRefs>
+</ds:datastoreItem>
 </file>